--- a/doc/syz/实验7流程图1.pptx
+++ b/doc/syz/实验7流程图1.pptx
@@ -104,6 +104,11 @@
       </a:defRPr>
     </a:lvl9pPr>
   </p:defaultTextStyle>
+  <p:extLst>
+    <p:ext uri="{EFAFB233-063F-42B5-8137-9DF3F51BA10A}">
+      <p15:sldGuideLst xmlns:p15="http://schemas.microsoft.com/office/powerpoint/2012/main"/>
+    </p:ext>
+  </p:extLst>
 </p:presentation>
 </file>
 
@@ -254,7 +259,7 @@
           <a:p>
             <a:fld id="{A5207694-9AAD-46D0-B7B1-094D5094E11D}" type="datetimeFigureOut">
               <a:rPr lang="zh-CN" altLang="en-US" smtClean="0"/>
-              <a:t>2019/12/10</a:t>
+              <a:t>2019/12/22</a:t>
             </a:fld>
             <a:endParaRPr lang="zh-CN" altLang="en-US"/>
           </a:p>
@@ -452,7 +457,7 @@
           <a:p>
             <a:fld id="{A5207694-9AAD-46D0-B7B1-094D5094E11D}" type="datetimeFigureOut">
               <a:rPr lang="zh-CN" altLang="en-US" smtClean="0"/>
-              <a:t>2019/12/10</a:t>
+              <a:t>2019/12/22</a:t>
             </a:fld>
             <a:endParaRPr lang="zh-CN" altLang="en-US"/>
           </a:p>
@@ -660,7 +665,7 @@
           <a:p>
             <a:fld id="{A5207694-9AAD-46D0-B7B1-094D5094E11D}" type="datetimeFigureOut">
               <a:rPr lang="zh-CN" altLang="en-US" smtClean="0"/>
-              <a:t>2019/12/10</a:t>
+              <a:t>2019/12/22</a:t>
             </a:fld>
             <a:endParaRPr lang="zh-CN" altLang="en-US"/>
           </a:p>
@@ -858,7 +863,7 @@
           <a:p>
             <a:fld id="{A5207694-9AAD-46D0-B7B1-094D5094E11D}" type="datetimeFigureOut">
               <a:rPr lang="zh-CN" altLang="en-US" smtClean="0"/>
-              <a:t>2019/12/10</a:t>
+              <a:t>2019/12/22</a:t>
             </a:fld>
             <a:endParaRPr lang="zh-CN" altLang="en-US"/>
           </a:p>
@@ -1133,7 +1138,7 @@
           <a:p>
             <a:fld id="{A5207694-9AAD-46D0-B7B1-094D5094E11D}" type="datetimeFigureOut">
               <a:rPr lang="zh-CN" altLang="en-US" smtClean="0"/>
-              <a:t>2019/12/10</a:t>
+              <a:t>2019/12/22</a:t>
             </a:fld>
             <a:endParaRPr lang="zh-CN" altLang="en-US"/>
           </a:p>
@@ -1398,7 +1403,7 @@
           <a:p>
             <a:fld id="{A5207694-9AAD-46D0-B7B1-094D5094E11D}" type="datetimeFigureOut">
               <a:rPr lang="zh-CN" altLang="en-US" smtClean="0"/>
-              <a:t>2019/12/10</a:t>
+              <a:t>2019/12/22</a:t>
             </a:fld>
             <a:endParaRPr lang="zh-CN" altLang="en-US"/>
           </a:p>
@@ -1810,7 +1815,7 @@
           <a:p>
             <a:fld id="{A5207694-9AAD-46D0-B7B1-094D5094E11D}" type="datetimeFigureOut">
               <a:rPr lang="zh-CN" altLang="en-US" smtClean="0"/>
-              <a:t>2019/12/10</a:t>
+              <a:t>2019/12/22</a:t>
             </a:fld>
             <a:endParaRPr lang="zh-CN" altLang="en-US"/>
           </a:p>
@@ -1951,7 +1956,7 @@
           <a:p>
             <a:fld id="{A5207694-9AAD-46D0-B7B1-094D5094E11D}" type="datetimeFigureOut">
               <a:rPr lang="zh-CN" altLang="en-US" smtClean="0"/>
-              <a:t>2019/12/10</a:t>
+              <a:t>2019/12/22</a:t>
             </a:fld>
             <a:endParaRPr lang="zh-CN" altLang="en-US"/>
           </a:p>
@@ -2064,7 +2069,7 @@
           <a:p>
             <a:fld id="{A5207694-9AAD-46D0-B7B1-094D5094E11D}" type="datetimeFigureOut">
               <a:rPr lang="zh-CN" altLang="en-US" smtClean="0"/>
-              <a:t>2019/12/10</a:t>
+              <a:t>2019/12/22</a:t>
             </a:fld>
             <a:endParaRPr lang="zh-CN" altLang="en-US"/>
           </a:p>
@@ -2375,7 +2380,7 @@
           <a:p>
             <a:fld id="{A5207694-9AAD-46D0-B7B1-094D5094E11D}" type="datetimeFigureOut">
               <a:rPr lang="zh-CN" altLang="en-US" smtClean="0"/>
-              <a:t>2019/12/10</a:t>
+              <a:t>2019/12/22</a:t>
             </a:fld>
             <a:endParaRPr lang="zh-CN" altLang="en-US"/>
           </a:p>
@@ -2663,7 +2668,7 @@
           <a:p>
             <a:fld id="{A5207694-9AAD-46D0-B7B1-094D5094E11D}" type="datetimeFigureOut">
               <a:rPr lang="zh-CN" altLang="en-US" smtClean="0"/>
-              <a:t>2019/12/10</a:t>
+              <a:t>2019/12/22</a:t>
             </a:fld>
             <a:endParaRPr lang="zh-CN" altLang="en-US"/>
           </a:p>
@@ -2904,7 +2909,7 @@
           <a:p>
             <a:fld id="{A5207694-9AAD-46D0-B7B1-094D5094E11D}" type="datetimeFigureOut">
               <a:rPr lang="zh-CN" altLang="en-US" smtClean="0"/>
-              <a:t>2019/12/10</a:t>
+              <a:t>2019/12/22</a:t>
             </a:fld>
             <a:endParaRPr lang="zh-CN" altLang="en-US"/>
           </a:p>
@@ -3369,10 +3374,10 @@
       </p:sp>
       <p:grpSp>
         <p:nvGrpSpPr>
-          <p:cNvPr id="163" name="组合 162">
-            <a:extLst>
-              <a:ext uri="{FF2B5EF4-FFF2-40B4-BE49-F238E27FC236}">
-                <a16:creationId xmlns:a16="http://schemas.microsoft.com/office/drawing/2014/main" id="{10EAA711-99D6-41B3-9366-80995FC61B15}"/>
+          <p:cNvPr id="123" name="组合 122">
+            <a:extLst>
+              <a:ext uri="{FF2B5EF4-FFF2-40B4-BE49-F238E27FC236}">
+                <a16:creationId xmlns:a16="http://schemas.microsoft.com/office/drawing/2014/main" id="{F112C679-2E4B-4BB1-9F61-35BAA48DB642}"/>
               </a:ext>
             </a:extLst>
           </p:cNvPr>
@@ -3381,10 +3386,10 @@
         </p:nvGrpSpPr>
         <p:grpSpPr>
           <a:xfrm>
-            <a:off x="4674740" y="673769"/>
-            <a:ext cx="6631152" cy="11161205"/>
-            <a:chOff x="4674740" y="673769"/>
-            <a:chExt cx="6631152" cy="11161205"/>
+            <a:off x="1414000" y="673769"/>
+            <a:ext cx="9891892" cy="11161205"/>
+            <a:chOff x="1414000" y="673769"/>
+            <a:chExt cx="9891892" cy="11161205"/>
           </a:xfrm>
         </p:grpSpPr>
         <p:sp>
@@ -4004,7 +4009,7 @@
           </p:nvSpPr>
           <p:spPr>
             <a:xfrm>
-              <a:off x="5016000" y="4804898"/>
+              <a:off x="7710946" y="6135238"/>
               <a:ext cx="1440000" cy="720000"/>
             </a:xfrm>
             <a:prstGeom prst="diamond">
@@ -4042,48 +4047,6 @@
             </a:p>
           </p:txBody>
         </p:sp>
-        <p:cxnSp>
-          <p:nvCxnSpPr>
-            <p:cNvPr id="57" name="直接箭头连接符 56">
-              <a:extLst>
-                <a:ext uri="{FF2B5EF4-FFF2-40B4-BE49-F238E27FC236}">
-                  <a16:creationId xmlns:a16="http://schemas.microsoft.com/office/drawing/2014/main" id="{2C78ECFC-88EA-4C16-9AD1-1534B3F78A5D}"/>
-                </a:ext>
-              </a:extLst>
-            </p:cNvPr>
-            <p:cNvCxnSpPr>
-              <a:stCxn id="6" idx="2"/>
-              <a:endCxn id="55" idx="0"/>
-            </p:cNvCxnSpPr>
-            <p:nvPr/>
-          </p:nvCxnSpPr>
-          <p:spPr>
-            <a:xfrm>
-              <a:off x="5736000" y="4251434"/>
-              <a:ext cx="0" cy="553464"/>
-            </a:xfrm>
-            <a:prstGeom prst="straightConnector1">
-              <a:avLst/>
-            </a:prstGeom>
-            <a:ln>
-              <a:tailEnd type="triangle"/>
-            </a:ln>
-          </p:spPr>
-          <p:style>
-            <a:lnRef idx="1">
-              <a:schemeClr val="accent1"/>
-            </a:lnRef>
-            <a:fillRef idx="0">
-              <a:schemeClr val="accent1"/>
-            </a:fillRef>
-            <a:effectRef idx="0">
-              <a:schemeClr val="accent1"/>
-            </a:effectRef>
-            <a:fontRef idx="minor">
-              <a:schemeClr val="tx1"/>
-            </a:fontRef>
-          </p:style>
-        </p:cxnSp>
         <p:sp>
           <p:nvSpPr>
             <p:cNvPr id="58" name="矩形 57">
@@ -4098,7 +4061,7 @@
           </p:nvSpPr>
           <p:spPr>
             <a:xfrm>
-              <a:off x="7249389" y="4804898"/>
+              <a:off x="6990650" y="4994785"/>
               <a:ext cx="1080000" cy="720000"/>
             </a:xfrm>
             <a:prstGeom prst="rect">
@@ -4131,53 +4094,11 @@
               <a:pPr algn="ctr"/>
               <a:r>
                 <a:rPr lang="zh-CN" altLang="en-US" dirty="0"/>
-                <a:t>购 买</a:t>
+                <a:t>读取购买信息</a:t>
               </a:r>
             </a:p>
           </p:txBody>
         </p:sp>
-        <p:cxnSp>
-          <p:nvCxnSpPr>
-            <p:cNvPr id="62" name="直接箭头连接符 61">
-              <a:extLst>
-                <a:ext uri="{FF2B5EF4-FFF2-40B4-BE49-F238E27FC236}">
-                  <a16:creationId xmlns:a16="http://schemas.microsoft.com/office/drawing/2014/main" id="{1764D33B-AA2C-47A5-AA3A-975F6E0BF3DB}"/>
-                </a:ext>
-              </a:extLst>
-            </p:cNvPr>
-            <p:cNvCxnSpPr>
-              <a:stCxn id="55" idx="3"/>
-              <a:endCxn id="58" idx="1"/>
-            </p:cNvCxnSpPr>
-            <p:nvPr/>
-          </p:nvCxnSpPr>
-          <p:spPr>
-            <a:xfrm>
-              <a:off x="6456000" y="5164898"/>
-              <a:ext cx="793389" cy="0"/>
-            </a:xfrm>
-            <a:prstGeom prst="straightConnector1">
-              <a:avLst/>
-            </a:prstGeom>
-            <a:ln>
-              <a:tailEnd type="triangle"/>
-            </a:ln>
-          </p:spPr>
-          <p:style>
-            <a:lnRef idx="1">
-              <a:schemeClr val="accent1"/>
-            </a:lnRef>
-            <a:fillRef idx="0">
-              <a:schemeClr val="accent1"/>
-            </a:fillRef>
-            <a:effectRef idx="0">
-              <a:schemeClr val="accent1"/>
-            </a:effectRef>
-            <a:fontRef idx="minor">
-              <a:schemeClr val="tx1"/>
-            </a:fontRef>
-          </p:style>
-        </p:cxnSp>
         <p:sp>
           <p:nvSpPr>
             <p:cNvPr id="63" name="文本框 62">
@@ -4192,7 +4113,7 @@
           </p:nvSpPr>
           <p:spPr>
             <a:xfrm>
-              <a:off x="6435321" y="4795566"/>
+              <a:off x="7880098" y="6736253"/>
               <a:ext cx="335021" cy="369332"/>
             </a:xfrm>
             <a:prstGeom prst="rect">
@@ -4236,7 +4157,7 @@
           </p:nvSpPr>
           <p:spPr>
             <a:xfrm>
-              <a:off x="5437636" y="5524898"/>
+              <a:off x="8800760" y="6694740"/>
               <a:ext cx="335021" cy="369332"/>
             </a:xfrm>
             <a:prstGeom prst="rect">
@@ -4409,8 +4330,8 @@
           </p:nvCxnSpPr>
           <p:spPr>
             <a:xfrm flipV="1">
-              <a:off x="8329389" y="4509000"/>
-              <a:ext cx="1536503" cy="655898"/>
+              <a:off x="8070650" y="4509000"/>
+              <a:ext cx="1795242" cy="845785"/>
             </a:xfrm>
             <a:prstGeom prst="curvedConnector3">
               <a:avLst/>
@@ -4476,112 +4397,24 @@
         </p:sp>
         <p:cxnSp>
           <p:nvCxnSpPr>
-            <p:cNvPr id="81" name="连接符: 肘形 80">
+            <p:cNvPr id="102" name="直接箭头连接符 101">
               <a:extLst>
                 <a:ext uri="{FF2B5EF4-FFF2-40B4-BE49-F238E27FC236}">
-                  <a16:creationId xmlns:a16="http://schemas.microsoft.com/office/drawing/2014/main" id="{082D2914-6B96-4F04-8A3A-24E64B9B8E7A}"/>
+                  <a16:creationId xmlns:a16="http://schemas.microsoft.com/office/drawing/2014/main" id="{4A030814-8684-4BED-90E7-72BF1C414767}"/>
                 </a:ext>
               </a:extLst>
             </p:cNvPr>
             <p:cNvCxnSpPr>
               <a:cxnSpLocks/>
-              <a:stCxn id="55" idx="2"/>
-              <a:endCxn id="55" idx="0"/>
+              <a:stCxn id="54" idx="2"/>
+              <a:endCxn id="44" idx="0"/>
             </p:cNvCxnSpPr>
             <p:nvPr/>
           </p:nvCxnSpPr>
           <p:spPr>
-            <a:xfrm rot="5400000" flipH="1">
-              <a:off x="5376000" y="5164898"/>
-              <a:ext cx="720000" cy="12700"/>
-            </a:xfrm>
-            <a:prstGeom prst="bentConnector5">
-              <a:avLst>
-                <a:gd name="adj1" fmla="val -118737"/>
-                <a:gd name="adj2" fmla="val 7765181"/>
-                <a:gd name="adj3" fmla="val 124791"/>
-              </a:avLst>
-            </a:prstGeom>
-            <a:ln>
-              <a:tailEnd type="triangle"/>
-            </a:ln>
-          </p:spPr>
-          <p:style>
-            <a:lnRef idx="1">
-              <a:schemeClr val="accent1"/>
-            </a:lnRef>
-            <a:fillRef idx="0">
-              <a:schemeClr val="accent1"/>
-            </a:fillRef>
-            <a:effectRef idx="0">
-              <a:schemeClr val="accent1"/>
-            </a:effectRef>
-            <a:fontRef idx="minor">
-              <a:schemeClr val="tx1"/>
-            </a:fontRef>
-          </p:style>
-        </p:cxnSp>
-        <p:cxnSp>
-          <p:nvCxnSpPr>
-            <p:cNvPr id="92" name="连接符: 肘形 91">
-              <a:extLst>
-                <a:ext uri="{FF2B5EF4-FFF2-40B4-BE49-F238E27FC236}">
-                  <a16:creationId xmlns:a16="http://schemas.microsoft.com/office/drawing/2014/main" id="{4F941D5E-291E-4BDF-AD84-821AA2BDB2BC}"/>
-                </a:ext>
-              </a:extLst>
-            </p:cNvPr>
-            <p:cNvCxnSpPr>
-              <a:cxnSpLocks/>
-              <a:stCxn id="58" idx="2"/>
-            </p:cNvCxnSpPr>
-            <p:nvPr/>
-          </p:nvCxnSpPr>
-          <p:spPr>
-            <a:xfrm rot="5400000">
-              <a:off x="6466926" y="4787623"/>
-              <a:ext cx="585188" cy="2059739"/>
-            </a:xfrm>
-            <a:prstGeom prst="bentConnector2">
-              <a:avLst/>
-            </a:prstGeom>
-            <a:ln>
-              <a:tailEnd type="triangle"/>
-            </a:ln>
-          </p:spPr>
-          <p:style>
-            <a:lnRef idx="1">
-              <a:schemeClr val="accent1"/>
-            </a:lnRef>
-            <a:fillRef idx="0">
-              <a:schemeClr val="accent1"/>
-            </a:fillRef>
-            <a:effectRef idx="0">
-              <a:schemeClr val="accent1"/>
-            </a:effectRef>
-            <a:fontRef idx="minor">
-              <a:schemeClr val="tx1"/>
-            </a:fontRef>
-          </p:style>
-        </p:cxnSp>
-        <p:cxnSp>
-          <p:nvCxnSpPr>
-            <p:cNvPr id="97" name="直接箭头连接符 96">
-              <a:extLst>
-                <a:ext uri="{FF2B5EF4-FFF2-40B4-BE49-F238E27FC236}">
-                  <a16:creationId xmlns:a16="http://schemas.microsoft.com/office/drawing/2014/main" id="{0D1AC755-0843-4B4D-8C2A-B2BF13C00F54}"/>
-                </a:ext>
-              </a:extLst>
-            </p:cNvPr>
-            <p:cNvCxnSpPr>
-              <a:stCxn id="55" idx="2"/>
-              <a:endCxn id="54" idx="0"/>
-            </p:cNvCxnSpPr>
-            <p:nvPr/>
-          </p:nvCxnSpPr>
-          <p:spPr>
-            <a:xfrm>
-              <a:off x="5736000" y="5524898"/>
-              <a:ext cx="0" cy="1354508"/>
+            <a:xfrm flipH="1">
+              <a:off x="5729650" y="7599406"/>
+              <a:ext cx="6350" cy="845785"/>
             </a:xfrm>
             <a:prstGeom prst="straightConnector1">
               <a:avLst/>
@@ -4607,101 +4440,6 @@
         </p:cxnSp>
         <p:cxnSp>
           <p:nvCxnSpPr>
-            <p:cNvPr id="102" name="直接箭头连接符 101">
-              <a:extLst>
-                <a:ext uri="{FF2B5EF4-FFF2-40B4-BE49-F238E27FC236}">
-                  <a16:creationId xmlns:a16="http://schemas.microsoft.com/office/drawing/2014/main" id="{4A030814-8684-4BED-90E7-72BF1C414767}"/>
-                </a:ext>
-              </a:extLst>
-            </p:cNvPr>
-            <p:cNvCxnSpPr>
-              <a:cxnSpLocks/>
-              <a:stCxn id="54" idx="2"/>
-              <a:endCxn id="119" idx="0"/>
-            </p:cNvCxnSpPr>
-            <p:nvPr/>
-          </p:nvCxnSpPr>
-          <p:spPr>
-            <a:xfrm flipH="1">
-              <a:off x="5733376" y="7599406"/>
-              <a:ext cx="2624" cy="650956"/>
-            </a:xfrm>
-            <a:prstGeom prst="straightConnector1">
-              <a:avLst/>
-            </a:prstGeom>
-            <a:ln>
-              <a:tailEnd type="triangle"/>
-            </a:ln>
-          </p:spPr>
-          <p:style>
-            <a:lnRef idx="1">
-              <a:schemeClr val="accent1"/>
-            </a:lnRef>
-            <a:fillRef idx="0">
-              <a:schemeClr val="accent1"/>
-            </a:fillRef>
-            <a:effectRef idx="0">
-              <a:schemeClr val="accent1"/>
-            </a:effectRef>
-            <a:fontRef idx="minor">
-              <a:schemeClr val="tx1"/>
-            </a:fontRef>
-          </p:style>
-        </p:cxnSp>
-        <p:sp>
-          <p:nvSpPr>
-            <p:cNvPr id="119" name="矩形 118">
-              <a:extLst>
-                <a:ext uri="{FF2B5EF4-FFF2-40B4-BE49-F238E27FC236}">
-                  <a16:creationId xmlns:a16="http://schemas.microsoft.com/office/drawing/2014/main" id="{6A66EF78-D51D-45B5-B2D9-C3A15C77C1B7}"/>
-                </a:ext>
-              </a:extLst>
-            </p:cNvPr>
-            <p:cNvSpPr/>
-            <p:nvPr/>
-          </p:nvSpPr>
-          <p:spPr>
-            <a:xfrm>
-              <a:off x="5193376" y="8250362"/>
-              <a:ext cx="1080000" cy="720000"/>
-            </a:xfrm>
-            <a:prstGeom prst="rect">
-              <a:avLst/>
-            </a:prstGeom>
-            <a:ln>
-              <a:solidFill>
-                <a:srgbClr val="FFFF00"/>
-              </a:solidFill>
-            </a:ln>
-          </p:spPr>
-          <p:style>
-            <a:lnRef idx="2">
-              <a:schemeClr val="accent6"/>
-            </a:lnRef>
-            <a:fillRef idx="1">
-              <a:schemeClr val="lt1"/>
-            </a:fillRef>
-            <a:effectRef idx="0">
-              <a:schemeClr val="accent6"/>
-            </a:effectRef>
-            <a:fontRef idx="minor">
-              <a:schemeClr val="dk1"/>
-            </a:fontRef>
-          </p:style>
-          <p:txBody>
-            <a:bodyPr rtlCol="0" anchor="ctr"/>
-            <a:lstStyle/>
-            <a:p>
-              <a:pPr algn="ctr"/>
-              <a:r>
-                <a:rPr lang="zh-CN" altLang="en-US" dirty="0"/>
-                <a:t>上 传</a:t>
-              </a:r>
-            </a:p>
-          </p:txBody>
-        </p:sp>
-        <p:cxnSp>
-          <p:nvCxnSpPr>
             <p:cNvPr id="121" name="连接符: 曲线 120">
               <a:extLst>
                 <a:ext uri="{FF2B5EF4-FFF2-40B4-BE49-F238E27FC236}">
@@ -4710,15 +4448,16 @@
               </a:extLst>
             </p:cNvPr>
             <p:cNvCxnSpPr>
-              <a:stCxn id="119" idx="3"/>
+              <a:cxnSpLocks/>
+              <a:stCxn id="44" idx="3"/>
               <a:endCxn id="9" idx="3"/>
             </p:cNvCxnSpPr>
             <p:nvPr/>
           </p:nvCxnSpPr>
           <p:spPr>
             <a:xfrm flipV="1">
-              <a:off x="6273376" y="4869000"/>
-              <a:ext cx="4312516" cy="3741362"/>
+              <a:off x="6990650" y="4869000"/>
+              <a:ext cx="3595242" cy="4206691"/>
             </a:xfrm>
             <a:prstGeom prst="curvedConnector2">
               <a:avLst/>
@@ -4756,7 +4495,7 @@
           </p:nvSpPr>
           <p:spPr>
             <a:xfrm>
-              <a:off x="8844756" y="7731994"/>
+              <a:off x="8637831" y="8445191"/>
               <a:ext cx="792377" cy="369332"/>
             </a:xfrm>
             <a:prstGeom prst="rect">
@@ -4795,147 +4534,7 @@
           </p:nvSpPr>
           <p:spPr>
             <a:xfrm>
-              <a:off x="6438465" y="8207711"/>
-              <a:ext cx="335021" cy="369332"/>
-            </a:xfrm>
-            <a:prstGeom prst="rect">
-              <a:avLst/>
-            </a:prstGeom>
-            <a:noFill/>
-          </p:spPr>
-          <p:txBody>
-            <a:bodyPr wrap="square" rtlCol="0">
-              <a:spAutoFit/>
-            </a:bodyPr>
-            <a:lstStyle/>
-            <a:p>
-              <a:r>
-                <a:rPr lang="en-US" altLang="zh-CN" dirty="0">
-                  <a:solidFill>
-                    <a:srgbClr val="0070C0"/>
-                  </a:solidFill>
-                </a:rPr>
-                <a:t>Y</a:t>
-              </a:r>
-              <a:endParaRPr lang="zh-CN" altLang="en-US" dirty="0">
-                <a:solidFill>
-                  <a:srgbClr val="0070C0"/>
-                </a:solidFill>
-              </a:endParaRPr>
-            </a:p>
-          </p:txBody>
-        </p:sp>
-        <p:sp>
-          <p:nvSpPr>
-            <p:cNvPr id="126" name="文本框 125">
-              <a:extLst>
-                <a:ext uri="{FF2B5EF4-FFF2-40B4-BE49-F238E27FC236}">
-                  <a16:creationId xmlns:a16="http://schemas.microsoft.com/office/drawing/2014/main" id="{405292E5-22ED-417D-B7A4-DD40C3A09AC4}"/>
-                </a:ext>
-              </a:extLst>
-            </p:cNvPr>
-            <p:cNvSpPr txBox="1"/>
-            <p:nvPr/>
-          </p:nvSpPr>
-          <p:spPr>
-            <a:xfrm>
-              <a:off x="5432646" y="8946505"/>
-              <a:ext cx="335021" cy="369332"/>
-            </a:xfrm>
-            <a:prstGeom prst="rect">
-              <a:avLst/>
-            </a:prstGeom>
-            <a:noFill/>
-          </p:spPr>
-          <p:txBody>
-            <a:bodyPr wrap="square" rtlCol="0">
-              <a:spAutoFit/>
-            </a:bodyPr>
-            <a:lstStyle/>
-            <a:p>
-              <a:r>
-                <a:rPr lang="en-US" altLang="zh-CN" dirty="0">
-                  <a:solidFill>
-                    <a:srgbClr val="0070C0"/>
-                  </a:solidFill>
-                </a:rPr>
-                <a:t>N</a:t>
-              </a:r>
-              <a:endParaRPr lang="zh-CN" altLang="en-US" dirty="0">
-                <a:solidFill>
-                  <a:srgbClr val="0070C0"/>
-                </a:solidFill>
-              </a:endParaRPr>
-            </a:p>
-          </p:txBody>
-        </p:sp>
-        <p:sp>
-          <p:nvSpPr>
-            <p:cNvPr id="127" name="菱形 126">
-              <a:extLst>
-                <a:ext uri="{FF2B5EF4-FFF2-40B4-BE49-F238E27FC236}">
-                  <a16:creationId xmlns:a16="http://schemas.microsoft.com/office/drawing/2014/main" id="{7A033D77-6373-4142-AC54-A87419219033}"/>
-                </a:ext>
-              </a:extLst>
-            </p:cNvPr>
-            <p:cNvSpPr/>
-            <p:nvPr/>
-          </p:nvSpPr>
-          <p:spPr>
-            <a:xfrm>
-              <a:off x="5016000" y="9697030"/>
-              <a:ext cx="1440000" cy="720000"/>
-            </a:xfrm>
-            <a:prstGeom prst="diamond">
-              <a:avLst/>
-            </a:prstGeom>
-            <a:ln>
-              <a:solidFill>
-                <a:srgbClr val="FFC000"/>
-              </a:solidFill>
-            </a:ln>
-          </p:spPr>
-          <p:style>
-            <a:lnRef idx="2">
-              <a:schemeClr val="accent6"/>
-            </a:lnRef>
-            <a:fillRef idx="1">
-              <a:schemeClr val="lt1"/>
-            </a:fillRef>
-            <a:effectRef idx="0">
-              <a:schemeClr val="accent6"/>
-            </a:effectRef>
-            <a:fontRef idx="minor">
-              <a:schemeClr val="dk1"/>
-            </a:fontRef>
-          </p:style>
-          <p:txBody>
-            <a:bodyPr rtlCol="0" anchor="ctr"/>
-            <a:lstStyle/>
-            <a:p>
-              <a:pPr algn="ctr"/>
-              <a:r>
-                <a:rPr lang="zh-CN" altLang="en-US" sz="1400" dirty="0"/>
-                <a:t>是否重新游戏</a:t>
-              </a:r>
-            </a:p>
-          </p:txBody>
-        </p:sp>
-        <p:sp>
-          <p:nvSpPr>
-            <p:cNvPr id="128" name="文本框 127">
-              <a:extLst>
-                <a:ext uri="{FF2B5EF4-FFF2-40B4-BE49-F238E27FC236}">
-                  <a16:creationId xmlns:a16="http://schemas.microsoft.com/office/drawing/2014/main" id="{91E9092D-0735-44A3-A12A-07FF849EFA96}"/>
-                </a:ext>
-              </a:extLst>
-            </p:cNvPr>
-            <p:cNvSpPr txBox="1"/>
-            <p:nvPr/>
-          </p:nvSpPr>
-          <p:spPr>
-            <a:xfrm>
-              <a:off x="4674740" y="9687698"/>
+              <a:off x="7048160" y="8656115"/>
               <a:ext cx="335021" cy="369332"/>
             </a:xfrm>
             <a:prstGeom prst="rect">
@@ -4979,7 +4578,7 @@
           </p:nvSpPr>
           <p:spPr>
             <a:xfrm>
-              <a:off x="5432646" y="10409621"/>
+              <a:off x="5375999" y="9795627"/>
               <a:ext cx="335021" cy="369332"/>
             </a:xfrm>
             <a:prstGeom prst="rect">
@@ -5009,95 +4608,6 @@
             </a:p>
           </p:txBody>
         </p:sp>
-        <p:cxnSp>
-          <p:nvCxnSpPr>
-            <p:cNvPr id="131" name="连接符: 肘形 130">
-              <a:extLst>
-                <a:ext uri="{FF2B5EF4-FFF2-40B4-BE49-F238E27FC236}">
-                  <a16:creationId xmlns:a16="http://schemas.microsoft.com/office/drawing/2014/main" id="{AC8E425E-4C3E-4C6C-A0A4-990A9FEC0ACA}"/>
-                </a:ext>
-              </a:extLst>
-            </p:cNvPr>
-            <p:cNvCxnSpPr>
-              <a:cxnSpLocks/>
-              <a:stCxn id="127" idx="1"/>
-              <a:endCxn id="55" idx="0"/>
-            </p:cNvCxnSpPr>
-            <p:nvPr/>
-          </p:nvCxnSpPr>
-          <p:spPr>
-            <a:xfrm rot="10800000" flipH="1">
-              <a:off x="5016000" y="4804898"/>
-              <a:ext cx="720000" cy="5252132"/>
-            </a:xfrm>
-            <a:prstGeom prst="bentConnector4">
-              <a:avLst>
-                <a:gd name="adj1" fmla="val -99599"/>
-                <a:gd name="adj2" fmla="val 107452"/>
-              </a:avLst>
-            </a:prstGeom>
-            <a:ln>
-              <a:tailEnd type="triangle"/>
-            </a:ln>
-          </p:spPr>
-          <p:style>
-            <a:lnRef idx="1">
-              <a:schemeClr val="accent1"/>
-            </a:lnRef>
-            <a:fillRef idx="0">
-              <a:schemeClr val="accent1"/>
-            </a:fillRef>
-            <a:effectRef idx="0">
-              <a:schemeClr val="accent1"/>
-            </a:effectRef>
-            <a:fontRef idx="minor">
-              <a:schemeClr val="tx1"/>
-            </a:fontRef>
-          </p:style>
-        </p:cxnSp>
-        <p:cxnSp>
-          <p:nvCxnSpPr>
-            <p:cNvPr id="137" name="直接箭头连接符 136">
-              <a:extLst>
-                <a:ext uri="{FF2B5EF4-FFF2-40B4-BE49-F238E27FC236}">
-                  <a16:creationId xmlns:a16="http://schemas.microsoft.com/office/drawing/2014/main" id="{615F2095-0799-4144-AADC-90549CC542BE}"/>
-                </a:ext>
-              </a:extLst>
-            </p:cNvPr>
-            <p:cNvCxnSpPr>
-              <a:cxnSpLocks/>
-              <a:stCxn id="119" idx="2"/>
-              <a:endCxn id="127" idx="0"/>
-            </p:cNvCxnSpPr>
-            <p:nvPr/>
-          </p:nvCxnSpPr>
-          <p:spPr>
-            <a:xfrm>
-              <a:off x="5733376" y="8970362"/>
-              <a:ext cx="2624" cy="726668"/>
-            </a:xfrm>
-            <a:prstGeom prst="straightConnector1">
-              <a:avLst/>
-            </a:prstGeom>
-            <a:ln>
-              <a:tailEnd type="triangle"/>
-            </a:ln>
-          </p:spPr>
-          <p:style>
-            <a:lnRef idx="1">
-              <a:schemeClr val="accent1"/>
-            </a:lnRef>
-            <a:fillRef idx="0">
-              <a:schemeClr val="accent1"/>
-            </a:fillRef>
-            <a:effectRef idx="0">
-              <a:schemeClr val="accent1"/>
-            </a:effectRef>
-            <a:fontRef idx="minor">
-              <a:schemeClr val="tx1"/>
-            </a:fontRef>
-          </p:style>
-        </p:cxnSp>
         <p:sp>
           <p:nvSpPr>
             <p:cNvPr id="140" name="矩形: 圆角 139">
@@ -5112,7 +4622,7 @@
           </p:nvSpPr>
           <p:spPr>
             <a:xfrm>
-              <a:off x="5202350" y="11114974"/>
+              <a:off x="5189650" y="11114974"/>
               <a:ext cx="1080000" cy="720000"/>
             </a:xfrm>
             <a:prstGeom prst="roundRect">
@@ -5161,15 +4671,15 @@
             </p:cNvPr>
             <p:cNvCxnSpPr>
               <a:cxnSpLocks/>
-              <a:stCxn id="127" idx="2"/>
+              <a:stCxn id="44" idx="2"/>
               <a:endCxn id="140" idx="0"/>
             </p:cNvCxnSpPr>
             <p:nvPr/>
           </p:nvCxnSpPr>
           <p:spPr>
             <a:xfrm>
-              <a:off x="5736000" y="10417030"/>
-              <a:ext cx="6350" cy="697944"/>
+              <a:off x="5729650" y="9706191"/>
+              <a:ext cx="0" cy="1408783"/>
             </a:xfrm>
             <a:prstGeom prst="straightConnector1">
               <a:avLst/>
@@ -5193,6 +4703,976 @@
             </a:fontRef>
           </p:style>
         </p:cxnSp>
+        <p:sp>
+          <p:nvSpPr>
+            <p:cNvPr id="44" name="菱形 43">
+              <a:extLst>
+                <a:ext uri="{FF2B5EF4-FFF2-40B4-BE49-F238E27FC236}">
+                  <a16:creationId xmlns:a16="http://schemas.microsoft.com/office/drawing/2014/main" id="{677985C9-C060-459B-968B-5DA193A1F7F4}"/>
+                </a:ext>
+              </a:extLst>
+            </p:cNvPr>
+            <p:cNvSpPr/>
+            <p:nvPr/>
+          </p:nvSpPr>
+          <p:spPr>
+            <a:xfrm>
+              <a:off x="4468650" y="8445191"/>
+              <a:ext cx="2522000" cy="1261000"/>
+            </a:xfrm>
+            <a:prstGeom prst="diamond">
+              <a:avLst/>
+            </a:prstGeom>
+            <a:ln>
+              <a:solidFill>
+                <a:srgbClr val="FFC000"/>
+              </a:solidFill>
+            </a:ln>
+          </p:spPr>
+          <p:style>
+            <a:lnRef idx="2">
+              <a:schemeClr val="accent6"/>
+            </a:lnRef>
+            <a:fillRef idx="1">
+              <a:schemeClr val="lt1"/>
+            </a:fillRef>
+            <a:effectRef idx="0">
+              <a:schemeClr val="accent6"/>
+            </a:effectRef>
+            <a:fontRef idx="minor">
+              <a:schemeClr val="dk1"/>
+            </a:fontRef>
+          </p:style>
+          <p:txBody>
+            <a:bodyPr rtlCol="0" anchor="ctr"/>
+            <a:lstStyle/>
+            <a:p>
+              <a:pPr lvl="0" algn="ctr"/>
+              <a:r>
+                <a:rPr lang="zh-CN" altLang="en-US" dirty="0">
+                  <a:solidFill>
+                    <a:prstClr val="black"/>
+                  </a:solidFill>
+                </a:rPr>
+                <a:t>上 传</a:t>
+              </a:r>
+              <a:endParaRPr lang="en-US" altLang="zh-CN" dirty="0">
+                <a:solidFill>
+                  <a:prstClr val="black"/>
+                </a:solidFill>
+              </a:endParaRPr>
+            </a:p>
+            <a:p>
+              <a:pPr lvl="0" algn="ctr"/>
+              <a:r>
+                <a:rPr lang="en-US" altLang="zh-CN" sz="1200" dirty="0">
+                  <a:solidFill>
+                    <a:prstClr val="black"/>
+                  </a:solidFill>
+                </a:rPr>
+                <a:t>(</a:t>
+              </a:r>
+              <a:r>
+                <a:rPr lang="zh-CN" altLang="en-US" sz="1200" dirty="0">
+                  <a:solidFill>
+                    <a:prstClr val="black"/>
+                  </a:solidFill>
+                </a:rPr>
+                <a:t>自动</a:t>
+              </a:r>
+              <a:r>
+                <a:rPr lang="en-US" altLang="zh-CN" sz="1200" dirty="0">
+                  <a:solidFill>
+                    <a:prstClr val="black"/>
+                  </a:solidFill>
+                </a:rPr>
+                <a:t>:</a:t>
+              </a:r>
+              <a:r>
+                <a:rPr lang="zh-CN" altLang="en-US" sz="1200" dirty="0">
+                  <a:solidFill>
+                    <a:prstClr val="black"/>
+                  </a:solidFill>
+                </a:rPr>
+                <a:t> 如果分数高于记录</a:t>
+              </a:r>
+              <a:r>
+                <a:rPr lang="en-US" altLang="zh-CN" sz="1200" dirty="0">
+                  <a:solidFill>
+                    <a:prstClr val="black"/>
+                  </a:solidFill>
+                </a:rPr>
+                <a:t>)</a:t>
+              </a:r>
+              <a:endParaRPr lang="zh-CN" altLang="en-US" sz="1200" dirty="0">
+                <a:solidFill>
+                  <a:prstClr val="black"/>
+                </a:solidFill>
+              </a:endParaRPr>
+            </a:p>
+          </p:txBody>
+        </p:sp>
+        <p:cxnSp>
+          <p:nvCxnSpPr>
+            <p:cNvPr id="32" name="连接符: 肘形 31">
+              <a:extLst>
+                <a:ext uri="{FF2B5EF4-FFF2-40B4-BE49-F238E27FC236}">
+                  <a16:creationId xmlns:a16="http://schemas.microsoft.com/office/drawing/2014/main" id="{77DBB3D7-7CC3-49E0-AE4F-56B9B0195D7D}"/>
+                </a:ext>
+              </a:extLst>
+            </p:cNvPr>
+            <p:cNvCxnSpPr>
+              <a:stCxn id="58" idx="2"/>
+              <a:endCxn id="55" idx="0"/>
+            </p:cNvCxnSpPr>
+            <p:nvPr/>
+          </p:nvCxnSpPr>
+          <p:spPr>
+            <a:xfrm rot="16200000" flipH="1">
+              <a:off x="7770572" y="5474863"/>
+              <a:ext cx="420453" cy="900296"/>
+            </a:xfrm>
+            <a:prstGeom prst="bentConnector3">
+              <a:avLst/>
+            </a:prstGeom>
+            <a:ln>
+              <a:tailEnd type="triangle"/>
+            </a:ln>
+          </p:spPr>
+          <p:style>
+            <a:lnRef idx="1">
+              <a:schemeClr val="accent1"/>
+            </a:lnRef>
+            <a:fillRef idx="0">
+              <a:schemeClr val="accent1"/>
+            </a:fillRef>
+            <a:effectRef idx="0">
+              <a:schemeClr val="accent1"/>
+            </a:effectRef>
+            <a:fontRef idx="minor">
+              <a:schemeClr val="tx1"/>
+            </a:fontRef>
+          </p:style>
+        </p:cxnSp>
+        <p:cxnSp>
+          <p:nvCxnSpPr>
+            <p:cNvPr id="35" name="连接符: 肘形 34">
+              <a:extLst>
+                <a:ext uri="{FF2B5EF4-FFF2-40B4-BE49-F238E27FC236}">
+                  <a16:creationId xmlns:a16="http://schemas.microsoft.com/office/drawing/2014/main" id="{57A4238F-CBD3-4D60-97EB-F1F359A8FB47}"/>
+                </a:ext>
+              </a:extLst>
+            </p:cNvPr>
+            <p:cNvCxnSpPr>
+              <a:stCxn id="55" idx="2"/>
+              <a:endCxn id="58" idx="0"/>
+            </p:cNvCxnSpPr>
+            <p:nvPr/>
+          </p:nvCxnSpPr>
+          <p:spPr>
+            <a:xfrm rot="5400000" flipH="1">
+              <a:off x="7050571" y="5474864"/>
+              <a:ext cx="1860453" cy="900296"/>
+            </a:xfrm>
+            <a:prstGeom prst="bentConnector5">
+              <a:avLst>
+                <a:gd name="adj1" fmla="val -12287"/>
+                <a:gd name="adj2" fmla="val 185372"/>
+                <a:gd name="adj3" fmla="val 119539"/>
+              </a:avLst>
+            </a:prstGeom>
+            <a:ln>
+              <a:tailEnd type="triangle"/>
+            </a:ln>
+          </p:spPr>
+          <p:style>
+            <a:lnRef idx="1">
+              <a:schemeClr val="accent1"/>
+            </a:lnRef>
+            <a:fillRef idx="0">
+              <a:schemeClr val="accent1"/>
+            </a:fillRef>
+            <a:effectRef idx="0">
+              <a:schemeClr val="accent1"/>
+            </a:effectRef>
+            <a:fontRef idx="minor">
+              <a:schemeClr val="tx1"/>
+            </a:fontRef>
+          </p:style>
+        </p:cxnSp>
+        <p:cxnSp>
+          <p:nvCxnSpPr>
+            <p:cNvPr id="51" name="连接符: 肘形 50">
+              <a:extLst>
+                <a:ext uri="{FF2B5EF4-FFF2-40B4-BE49-F238E27FC236}">
+                  <a16:creationId xmlns:a16="http://schemas.microsoft.com/office/drawing/2014/main" id="{D12A2A4C-44F7-4E63-B919-76D4A983ECA2}"/>
+                </a:ext>
+              </a:extLst>
+            </p:cNvPr>
+            <p:cNvCxnSpPr>
+              <a:cxnSpLocks/>
+              <a:stCxn id="55" idx="3"/>
+            </p:cNvCxnSpPr>
+            <p:nvPr/>
+          </p:nvCxnSpPr>
+          <p:spPr>
+            <a:xfrm flipH="1">
+              <a:off x="6755473" y="6495238"/>
+              <a:ext cx="2395473" cy="1016501"/>
+            </a:xfrm>
+            <a:prstGeom prst="bentConnector3">
+              <a:avLst>
+                <a:gd name="adj1" fmla="val -9543"/>
+              </a:avLst>
+            </a:prstGeom>
+          </p:spPr>
+          <p:style>
+            <a:lnRef idx="1">
+              <a:schemeClr val="accent1"/>
+            </a:lnRef>
+            <a:fillRef idx="0">
+              <a:schemeClr val="accent1"/>
+            </a:fillRef>
+            <a:effectRef idx="0">
+              <a:schemeClr val="accent1"/>
+            </a:effectRef>
+            <a:fontRef idx="minor">
+              <a:schemeClr val="tx1"/>
+            </a:fontRef>
+          </p:style>
+        </p:cxnSp>
+        <p:cxnSp>
+          <p:nvCxnSpPr>
+            <p:cNvPr id="59" name="直接连接符 58">
+              <a:extLst>
+                <a:ext uri="{FF2B5EF4-FFF2-40B4-BE49-F238E27FC236}">
+                  <a16:creationId xmlns:a16="http://schemas.microsoft.com/office/drawing/2014/main" id="{D37B529C-E46B-4DF5-9B18-27A491598DCB}"/>
+                </a:ext>
+              </a:extLst>
+            </p:cNvPr>
+            <p:cNvCxnSpPr>
+              <a:cxnSpLocks/>
+            </p:cNvCxnSpPr>
+            <p:nvPr/>
+          </p:nvCxnSpPr>
+          <p:spPr>
+            <a:xfrm>
+              <a:off x="6755473" y="7064072"/>
+              <a:ext cx="0" cy="447667"/>
+            </a:xfrm>
+            <a:prstGeom prst="line">
+              <a:avLst/>
+            </a:prstGeom>
+          </p:spPr>
+          <p:style>
+            <a:lnRef idx="1">
+              <a:schemeClr val="accent1"/>
+            </a:lnRef>
+            <a:fillRef idx="0">
+              <a:schemeClr val="accent1"/>
+            </a:fillRef>
+            <a:effectRef idx="0">
+              <a:schemeClr val="accent1"/>
+            </a:effectRef>
+            <a:fontRef idx="minor">
+              <a:schemeClr val="tx1"/>
+            </a:fontRef>
+          </p:style>
+        </p:cxnSp>
+        <p:sp>
+          <p:nvSpPr>
+            <p:cNvPr id="89" name="文本框 88">
+              <a:extLst>
+                <a:ext uri="{FF2B5EF4-FFF2-40B4-BE49-F238E27FC236}">
+                  <a16:creationId xmlns:a16="http://schemas.microsoft.com/office/drawing/2014/main" id="{E85B4C81-BACF-40A9-9EE9-5A0DF48FC533}"/>
+                </a:ext>
+              </a:extLst>
+            </p:cNvPr>
+            <p:cNvSpPr txBox="1"/>
+            <p:nvPr/>
+          </p:nvSpPr>
+          <p:spPr>
+            <a:xfrm>
+              <a:off x="7076017" y="6694740"/>
+              <a:ext cx="792377" cy="369332"/>
+            </a:xfrm>
+            <a:prstGeom prst="rect">
+              <a:avLst/>
+            </a:prstGeom>
+            <a:noFill/>
+          </p:spPr>
+          <p:txBody>
+            <a:bodyPr wrap="square" rtlCol="0">
+              <a:spAutoFit/>
+            </a:bodyPr>
+            <a:lstStyle/>
+            <a:p>
+              <a:r>
+                <a:rPr lang="zh-CN" altLang="en-US" dirty="0">
+                  <a:solidFill>
+                    <a:srgbClr val="0070C0"/>
+                  </a:solidFill>
+                </a:rPr>
+                <a:t>购买</a:t>
+              </a:r>
+            </a:p>
+          </p:txBody>
+        </p:sp>
+        <p:sp>
+          <p:nvSpPr>
+            <p:cNvPr id="90" name="文本框 89">
+              <a:extLst>
+                <a:ext uri="{FF2B5EF4-FFF2-40B4-BE49-F238E27FC236}">
+                  <a16:creationId xmlns:a16="http://schemas.microsoft.com/office/drawing/2014/main" id="{883758E1-938D-4F45-B55B-F24C1E83ECC1}"/>
+                </a:ext>
+              </a:extLst>
+            </p:cNvPr>
+            <p:cNvSpPr txBox="1"/>
+            <p:nvPr/>
+          </p:nvSpPr>
+          <p:spPr>
+            <a:xfrm>
+              <a:off x="7359753" y="7096850"/>
+              <a:ext cx="792377" cy="369332"/>
+            </a:xfrm>
+            <a:prstGeom prst="rect">
+              <a:avLst/>
+            </a:prstGeom>
+            <a:noFill/>
+          </p:spPr>
+          <p:txBody>
+            <a:bodyPr wrap="square" rtlCol="0">
+              <a:spAutoFit/>
+            </a:bodyPr>
+            <a:lstStyle/>
+            <a:p>
+              <a:r>
+                <a:rPr lang="zh-CN" altLang="en-US" dirty="0">
+                  <a:solidFill>
+                    <a:srgbClr val="0070C0"/>
+                  </a:solidFill>
+                </a:rPr>
+                <a:t>跳过</a:t>
+              </a:r>
+            </a:p>
+          </p:txBody>
+        </p:sp>
+        <p:cxnSp>
+          <p:nvCxnSpPr>
+            <p:cNvPr id="68" name="连接符: 肘形 67">
+              <a:extLst>
+                <a:ext uri="{FF2B5EF4-FFF2-40B4-BE49-F238E27FC236}">
+                  <a16:creationId xmlns:a16="http://schemas.microsoft.com/office/drawing/2014/main" id="{8E0E2DE6-E0EA-499B-9687-0A18BB28EDA1}"/>
+                </a:ext>
+              </a:extLst>
+            </p:cNvPr>
+            <p:cNvCxnSpPr>
+              <a:stCxn id="6" idx="2"/>
+              <a:endCxn id="58" idx="0"/>
+            </p:cNvCxnSpPr>
+            <p:nvPr/>
+          </p:nvCxnSpPr>
+          <p:spPr>
+            <a:xfrm rot="16200000" flipH="1">
+              <a:off x="6261650" y="3725784"/>
+              <a:ext cx="743351" cy="1794650"/>
+            </a:xfrm>
+            <a:prstGeom prst="bentConnector3">
+              <a:avLst/>
+            </a:prstGeom>
+            <a:ln>
+              <a:tailEnd type="triangle"/>
+            </a:ln>
+          </p:spPr>
+          <p:style>
+            <a:lnRef idx="1">
+              <a:schemeClr val="accent1"/>
+            </a:lnRef>
+            <a:fillRef idx="0">
+              <a:schemeClr val="accent1"/>
+            </a:fillRef>
+            <a:effectRef idx="0">
+              <a:schemeClr val="accent1"/>
+            </a:effectRef>
+            <a:fontRef idx="minor">
+              <a:schemeClr val="tx1"/>
+            </a:fontRef>
+          </p:style>
+        </p:cxnSp>
+        <p:cxnSp>
+          <p:nvCxnSpPr>
+            <p:cNvPr id="70" name="直接箭头连接符 69">
+              <a:extLst>
+                <a:ext uri="{FF2B5EF4-FFF2-40B4-BE49-F238E27FC236}">
+                  <a16:creationId xmlns:a16="http://schemas.microsoft.com/office/drawing/2014/main" id="{9D1457A8-BF44-4460-9D62-0E326D4672A8}"/>
+                </a:ext>
+              </a:extLst>
+            </p:cNvPr>
+            <p:cNvCxnSpPr>
+              <a:stCxn id="6" idx="2"/>
+              <a:endCxn id="54" idx="0"/>
+            </p:cNvCxnSpPr>
+            <p:nvPr/>
+          </p:nvCxnSpPr>
+          <p:spPr>
+            <a:xfrm>
+              <a:off x="5736000" y="4251434"/>
+              <a:ext cx="0" cy="2627972"/>
+            </a:xfrm>
+            <a:prstGeom prst="straightConnector1">
+              <a:avLst/>
+            </a:prstGeom>
+            <a:ln>
+              <a:tailEnd type="triangle"/>
+            </a:ln>
+          </p:spPr>
+          <p:style>
+            <a:lnRef idx="1">
+              <a:schemeClr val="accent1"/>
+            </a:lnRef>
+            <a:fillRef idx="0">
+              <a:schemeClr val="accent1"/>
+            </a:fillRef>
+            <a:effectRef idx="0">
+              <a:schemeClr val="accent1"/>
+            </a:effectRef>
+            <a:fontRef idx="minor">
+              <a:schemeClr val="tx1"/>
+            </a:fontRef>
+          </p:style>
+        </p:cxnSp>
+        <p:sp>
+          <p:nvSpPr>
+            <p:cNvPr id="95" name="矩形 94">
+              <a:extLst>
+                <a:ext uri="{FF2B5EF4-FFF2-40B4-BE49-F238E27FC236}">
+                  <a16:creationId xmlns:a16="http://schemas.microsoft.com/office/drawing/2014/main" id="{2C8A1521-201A-48C0-BC7E-86817DF564DD}"/>
+                </a:ext>
+              </a:extLst>
+            </p:cNvPr>
+            <p:cNvSpPr/>
+            <p:nvPr/>
+          </p:nvSpPr>
+          <p:spPr>
+            <a:xfrm>
+              <a:off x="3388650" y="4995519"/>
+              <a:ext cx="1080000" cy="720000"/>
+            </a:xfrm>
+            <a:prstGeom prst="rect">
+              <a:avLst/>
+            </a:prstGeom>
+            <a:ln>
+              <a:solidFill>
+                <a:srgbClr val="FFFF00"/>
+              </a:solidFill>
+            </a:ln>
+          </p:spPr>
+          <p:style>
+            <a:lnRef idx="2">
+              <a:schemeClr val="accent6"/>
+            </a:lnRef>
+            <a:fillRef idx="1">
+              <a:schemeClr val="lt1"/>
+            </a:fillRef>
+            <a:effectRef idx="0">
+              <a:schemeClr val="accent6"/>
+            </a:effectRef>
+            <a:fontRef idx="minor">
+              <a:schemeClr val="dk1"/>
+            </a:fontRef>
+          </p:style>
+          <p:txBody>
+            <a:bodyPr rtlCol="0" anchor="ctr"/>
+            <a:lstStyle/>
+            <a:p>
+              <a:pPr algn="ctr"/>
+              <a:r>
+                <a:rPr lang="zh-CN" altLang="en-US" dirty="0"/>
+                <a:t>更新积分信息</a:t>
+              </a:r>
+            </a:p>
+          </p:txBody>
+        </p:sp>
+        <p:cxnSp>
+          <p:nvCxnSpPr>
+            <p:cNvPr id="74" name="连接符: 肘形 73">
+              <a:extLst>
+                <a:ext uri="{FF2B5EF4-FFF2-40B4-BE49-F238E27FC236}">
+                  <a16:creationId xmlns:a16="http://schemas.microsoft.com/office/drawing/2014/main" id="{0EB64D2C-36D7-452B-A99C-3D13A5D57E76}"/>
+                </a:ext>
+              </a:extLst>
+            </p:cNvPr>
+            <p:cNvCxnSpPr>
+              <a:stCxn id="6" idx="2"/>
+              <a:endCxn id="95" idx="0"/>
+            </p:cNvCxnSpPr>
+            <p:nvPr/>
+          </p:nvCxnSpPr>
+          <p:spPr>
+            <a:xfrm rot="5400000">
+              <a:off x="4460283" y="3719801"/>
+              <a:ext cx="744085" cy="1807350"/>
+            </a:xfrm>
+            <a:prstGeom prst="bentConnector3">
+              <a:avLst/>
+            </a:prstGeom>
+            <a:ln>
+              <a:tailEnd type="triangle"/>
+            </a:ln>
+          </p:spPr>
+          <p:style>
+            <a:lnRef idx="1">
+              <a:schemeClr val="accent1"/>
+            </a:lnRef>
+            <a:fillRef idx="0">
+              <a:schemeClr val="accent1"/>
+            </a:fillRef>
+            <a:effectRef idx="0">
+              <a:schemeClr val="accent1"/>
+            </a:effectRef>
+            <a:fontRef idx="minor">
+              <a:schemeClr val="tx1"/>
+            </a:fontRef>
+          </p:style>
+        </p:cxnSp>
+        <p:sp>
+          <p:nvSpPr>
+            <p:cNvPr id="98" name="矩形 97">
+              <a:extLst>
+                <a:ext uri="{FF2B5EF4-FFF2-40B4-BE49-F238E27FC236}">
+                  <a16:creationId xmlns:a16="http://schemas.microsoft.com/office/drawing/2014/main" id="{3952094C-7DEA-4985-9188-847ABE500D27}"/>
+                </a:ext>
+              </a:extLst>
+            </p:cNvPr>
+            <p:cNvSpPr/>
+            <p:nvPr/>
+          </p:nvSpPr>
+          <p:spPr>
+            <a:xfrm>
+              <a:off x="3388650" y="6128998"/>
+              <a:ext cx="1080000" cy="720000"/>
+            </a:xfrm>
+            <a:prstGeom prst="rect">
+              <a:avLst/>
+            </a:prstGeom>
+            <a:ln>
+              <a:solidFill>
+                <a:srgbClr val="FFFF00"/>
+              </a:solidFill>
+            </a:ln>
+          </p:spPr>
+          <p:style>
+            <a:lnRef idx="2">
+              <a:schemeClr val="accent6"/>
+            </a:lnRef>
+            <a:fillRef idx="1">
+              <a:schemeClr val="lt1"/>
+            </a:fillRef>
+            <a:effectRef idx="0">
+              <a:schemeClr val="accent6"/>
+            </a:effectRef>
+            <a:fontRef idx="minor">
+              <a:schemeClr val="dk1"/>
+            </a:fontRef>
+          </p:style>
+          <p:txBody>
+            <a:bodyPr rtlCol="0" anchor="ctr"/>
+            <a:lstStyle/>
+            <a:p>
+              <a:pPr algn="ctr"/>
+              <a:r>
+                <a:rPr lang="zh-CN" altLang="en-US" dirty="0"/>
+                <a:t>删除积分信息</a:t>
+              </a:r>
+            </a:p>
+          </p:txBody>
+        </p:sp>
+        <p:cxnSp>
+          <p:nvCxnSpPr>
+            <p:cNvPr id="79" name="连接符: 肘形 78">
+              <a:extLst>
+                <a:ext uri="{FF2B5EF4-FFF2-40B4-BE49-F238E27FC236}">
+                  <a16:creationId xmlns:a16="http://schemas.microsoft.com/office/drawing/2014/main" id="{D7F3351B-0242-4214-95B9-6449FAC8E08C}"/>
+                </a:ext>
+              </a:extLst>
+            </p:cNvPr>
+            <p:cNvCxnSpPr>
+              <a:stCxn id="98" idx="3"/>
+              <a:endCxn id="54" idx="0"/>
+            </p:cNvCxnSpPr>
+            <p:nvPr/>
+          </p:nvCxnSpPr>
+          <p:spPr>
+            <a:xfrm>
+              <a:off x="4468650" y="6488998"/>
+              <a:ext cx="1267350" cy="390408"/>
+            </a:xfrm>
+            <a:prstGeom prst="bentConnector2">
+              <a:avLst/>
+            </a:prstGeom>
+            <a:ln>
+              <a:tailEnd type="triangle"/>
+            </a:ln>
+          </p:spPr>
+          <p:style>
+            <a:lnRef idx="1">
+              <a:schemeClr val="accent1"/>
+            </a:lnRef>
+            <a:fillRef idx="0">
+              <a:schemeClr val="accent1"/>
+            </a:fillRef>
+            <a:effectRef idx="0">
+              <a:schemeClr val="accent1"/>
+            </a:effectRef>
+            <a:fontRef idx="minor">
+              <a:schemeClr val="tx1"/>
+            </a:fontRef>
+          </p:style>
+        </p:cxnSp>
+        <p:cxnSp>
+          <p:nvCxnSpPr>
+            <p:cNvPr id="82" name="直接箭头连接符 81">
+              <a:extLst>
+                <a:ext uri="{FF2B5EF4-FFF2-40B4-BE49-F238E27FC236}">
+                  <a16:creationId xmlns:a16="http://schemas.microsoft.com/office/drawing/2014/main" id="{C352308E-3FEB-4B7B-B346-B76E0A37E94C}"/>
+                </a:ext>
+              </a:extLst>
+            </p:cNvPr>
+            <p:cNvCxnSpPr>
+              <a:stCxn id="95" idx="2"/>
+              <a:endCxn id="98" idx="0"/>
+            </p:cNvCxnSpPr>
+            <p:nvPr/>
+          </p:nvCxnSpPr>
+          <p:spPr>
+            <a:xfrm>
+              <a:off x="3928650" y="5715519"/>
+              <a:ext cx="0" cy="413479"/>
+            </a:xfrm>
+            <a:prstGeom prst="straightConnector1">
+              <a:avLst/>
+            </a:prstGeom>
+            <a:ln>
+              <a:tailEnd type="triangle"/>
+            </a:ln>
+          </p:spPr>
+          <p:style>
+            <a:lnRef idx="1">
+              <a:schemeClr val="accent1"/>
+            </a:lnRef>
+            <a:fillRef idx="0">
+              <a:schemeClr val="accent1"/>
+            </a:fillRef>
+            <a:effectRef idx="0">
+              <a:schemeClr val="accent1"/>
+            </a:effectRef>
+            <a:fontRef idx="minor">
+              <a:schemeClr val="tx1"/>
+            </a:fontRef>
+          </p:style>
+        </p:cxnSp>
+        <p:cxnSp>
+          <p:nvCxnSpPr>
+            <p:cNvPr id="84" name="连接符: 肘形 83">
+              <a:extLst>
+                <a:ext uri="{FF2B5EF4-FFF2-40B4-BE49-F238E27FC236}">
+                  <a16:creationId xmlns:a16="http://schemas.microsoft.com/office/drawing/2014/main" id="{B7343BA2-E27E-49EB-9E38-FF4D578DBBB0}"/>
+                </a:ext>
+              </a:extLst>
+            </p:cNvPr>
+            <p:cNvCxnSpPr>
+              <a:stCxn id="95" idx="2"/>
+              <a:endCxn id="54" idx="0"/>
+            </p:cNvCxnSpPr>
+            <p:nvPr/>
+          </p:nvCxnSpPr>
+          <p:spPr>
+            <a:xfrm rot="16200000" flipH="1">
+              <a:off x="4250382" y="5393787"/>
+              <a:ext cx="1163887" cy="1807350"/>
+            </a:xfrm>
+            <a:prstGeom prst="bentConnector3">
+              <a:avLst>
+                <a:gd name="adj1" fmla="val 17802"/>
+              </a:avLst>
+            </a:prstGeom>
+            <a:ln>
+              <a:tailEnd type="triangle"/>
+            </a:ln>
+          </p:spPr>
+          <p:style>
+            <a:lnRef idx="1">
+              <a:schemeClr val="accent1"/>
+            </a:lnRef>
+            <a:fillRef idx="0">
+              <a:schemeClr val="accent1"/>
+            </a:fillRef>
+            <a:effectRef idx="0">
+              <a:schemeClr val="accent1"/>
+            </a:effectRef>
+            <a:fontRef idx="minor">
+              <a:schemeClr val="tx1"/>
+            </a:fontRef>
+          </p:style>
+        </p:cxnSp>
+        <p:cxnSp>
+          <p:nvCxnSpPr>
+            <p:cNvPr id="87" name="连接符: 肘形 86">
+              <a:extLst>
+                <a:ext uri="{FF2B5EF4-FFF2-40B4-BE49-F238E27FC236}">
+                  <a16:creationId xmlns:a16="http://schemas.microsoft.com/office/drawing/2014/main" id="{ED2214D2-50DB-40D5-8F95-A94B92F72F6F}"/>
+                </a:ext>
+              </a:extLst>
+            </p:cNvPr>
+            <p:cNvCxnSpPr>
+              <a:stCxn id="58" idx="2"/>
+              <a:endCxn id="54" idx="0"/>
+            </p:cNvCxnSpPr>
+            <p:nvPr/>
+          </p:nvCxnSpPr>
+          <p:spPr>
+            <a:xfrm rot="5400000">
+              <a:off x="6051015" y="5399770"/>
+              <a:ext cx="1164621" cy="1794650"/>
+            </a:xfrm>
+            <a:prstGeom prst="bentConnector3">
+              <a:avLst>
+                <a:gd name="adj1" fmla="val 17822"/>
+              </a:avLst>
+            </a:prstGeom>
+            <a:ln>
+              <a:tailEnd type="triangle"/>
+            </a:ln>
+          </p:spPr>
+          <p:style>
+            <a:lnRef idx="1">
+              <a:schemeClr val="accent1"/>
+            </a:lnRef>
+            <a:fillRef idx="0">
+              <a:schemeClr val="accent1"/>
+            </a:fillRef>
+            <a:effectRef idx="0">
+              <a:schemeClr val="accent1"/>
+            </a:effectRef>
+            <a:fontRef idx="minor">
+              <a:schemeClr val="tx1"/>
+            </a:fontRef>
+          </p:style>
+        </p:cxnSp>
+        <p:sp>
+          <p:nvSpPr>
+            <p:cNvPr id="130" name="流程图: 磁盘 129">
+              <a:extLst>
+                <a:ext uri="{FF2B5EF4-FFF2-40B4-BE49-F238E27FC236}">
+                  <a16:creationId xmlns:a16="http://schemas.microsoft.com/office/drawing/2014/main" id="{1F318EBF-FD03-4983-9D33-78AC1E613382}"/>
+                </a:ext>
+              </a:extLst>
+            </p:cNvPr>
+            <p:cNvSpPr/>
+            <p:nvPr/>
+          </p:nvSpPr>
+          <p:spPr>
+            <a:xfrm>
+              <a:off x="1414000" y="4149000"/>
+              <a:ext cx="1440000" cy="720000"/>
+            </a:xfrm>
+            <a:prstGeom prst="flowChartMagneticDisk">
+              <a:avLst/>
+            </a:prstGeom>
+            <a:ln>
+              <a:solidFill>
+                <a:schemeClr val="tx1"/>
+              </a:solidFill>
+            </a:ln>
+          </p:spPr>
+          <p:style>
+            <a:lnRef idx="2">
+              <a:schemeClr val="accent6"/>
+            </a:lnRef>
+            <a:fillRef idx="1">
+              <a:schemeClr val="lt1"/>
+            </a:fillRef>
+            <a:effectRef idx="0">
+              <a:schemeClr val="accent6"/>
+            </a:effectRef>
+            <a:fontRef idx="minor">
+              <a:schemeClr val="dk1"/>
+            </a:fontRef>
+          </p:style>
+          <p:txBody>
+            <a:bodyPr rtlCol="0" anchor="ctr"/>
+            <a:lstStyle/>
+            <a:p>
+              <a:pPr algn="ctr"/>
+              <a:r>
+                <a:rPr lang="zh-CN" altLang="en-US" dirty="0"/>
+                <a:t>数据库***</a:t>
+              </a:r>
+            </a:p>
+          </p:txBody>
+        </p:sp>
+        <p:cxnSp>
+          <p:nvCxnSpPr>
+            <p:cNvPr id="117" name="连接符: 曲线 116">
+              <a:extLst>
+                <a:ext uri="{FF2B5EF4-FFF2-40B4-BE49-F238E27FC236}">
+                  <a16:creationId xmlns:a16="http://schemas.microsoft.com/office/drawing/2014/main" id="{5F40970C-0DC8-431E-BDC8-08CA5067DE26}"/>
+                </a:ext>
+              </a:extLst>
+            </p:cNvPr>
+            <p:cNvCxnSpPr>
+              <a:stCxn id="130" idx="3"/>
+              <a:endCxn id="95" idx="1"/>
+            </p:cNvCxnSpPr>
+            <p:nvPr/>
+          </p:nvCxnSpPr>
+          <p:spPr>
+            <a:xfrm rot="16200000" flipH="1">
+              <a:off x="2518066" y="4484934"/>
+              <a:ext cx="486519" cy="1254650"/>
+            </a:xfrm>
+            <a:prstGeom prst="curvedConnector2">
+              <a:avLst/>
+            </a:prstGeom>
+            <a:ln>
+              <a:tailEnd type="triangle"/>
+            </a:ln>
+          </p:spPr>
+          <p:style>
+            <a:lnRef idx="1">
+              <a:schemeClr val="accent1"/>
+            </a:lnRef>
+            <a:fillRef idx="0">
+              <a:schemeClr val="accent1"/>
+            </a:fillRef>
+            <a:effectRef idx="0">
+              <a:schemeClr val="accent1"/>
+            </a:effectRef>
+            <a:fontRef idx="minor">
+              <a:schemeClr val="tx1"/>
+            </a:fontRef>
+          </p:style>
+        </p:cxnSp>
+        <p:cxnSp>
+          <p:nvCxnSpPr>
+            <p:cNvPr id="120" name="连接符: 曲线 119">
+              <a:extLst>
+                <a:ext uri="{FF2B5EF4-FFF2-40B4-BE49-F238E27FC236}">
+                  <a16:creationId xmlns:a16="http://schemas.microsoft.com/office/drawing/2014/main" id="{21C1E01E-BF59-4045-9C04-72261BDD15FE}"/>
+                </a:ext>
+              </a:extLst>
+            </p:cNvPr>
+            <p:cNvCxnSpPr>
+              <a:stCxn id="98" idx="1"/>
+              <a:endCxn id="130" idx="3"/>
+            </p:cNvCxnSpPr>
+            <p:nvPr/>
+          </p:nvCxnSpPr>
+          <p:spPr>
+            <a:xfrm rot="10800000">
+              <a:off x="2134000" y="4869000"/>
+              <a:ext cx="1254650" cy="1619998"/>
+            </a:xfrm>
+            <a:prstGeom prst="curvedConnector2">
+              <a:avLst/>
+            </a:prstGeom>
+            <a:ln>
+              <a:tailEnd type="triangle"/>
+            </a:ln>
+          </p:spPr>
+          <p:style>
+            <a:lnRef idx="1">
+              <a:schemeClr val="accent1"/>
+            </a:lnRef>
+            <a:fillRef idx="0">
+              <a:schemeClr val="accent1"/>
+            </a:fillRef>
+            <a:effectRef idx="0">
+              <a:schemeClr val="accent1"/>
+            </a:effectRef>
+            <a:fontRef idx="minor">
+              <a:schemeClr val="tx1"/>
+            </a:fontRef>
+          </p:style>
+        </p:cxnSp>
+        <p:sp>
+          <p:nvSpPr>
+            <p:cNvPr id="134" name="文本框 133">
+              <a:extLst>
+                <a:ext uri="{FF2B5EF4-FFF2-40B4-BE49-F238E27FC236}">
+                  <a16:creationId xmlns:a16="http://schemas.microsoft.com/office/drawing/2014/main" id="{C7D12020-046F-4A47-89DE-5225056B4AB8}"/>
+                </a:ext>
+              </a:extLst>
+            </p:cNvPr>
+            <p:cNvSpPr txBox="1"/>
+            <p:nvPr/>
+          </p:nvSpPr>
+          <p:spPr>
+            <a:xfrm>
+              <a:off x="2608382" y="4931131"/>
+              <a:ext cx="792377" cy="369332"/>
+            </a:xfrm>
+            <a:prstGeom prst="rect">
+              <a:avLst/>
+            </a:prstGeom>
+            <a:noFill/>
+          </p:spPr>
+          <p:txBody>
+            <a:bodyPr wrap="square" rtlCol="0">
+              <a:spAutoFit/>
+            </a:bodyPr>
+            <a:lstStyle/>
+            <a:p>
+              <a:r>
+                <a:rPr lang="zh-CN" altLang="en-US" dirty="0">
+                  <a:solidFill>
+                    <a:srgbClr val="0070C0"/>
+                  </a:solidFill>
+                </a:rPr>
+                <a:t>读取</a:t>
+              </a:r>
+            </a:p>
+          </p:txBody>
+        </p:sp>
+        <p:sp>
+          <p:nvSpPr>
+            <p:cNvPr id="135" name="文本框 134">
+              <a:extLst>
+                <a:ext uri="{FF2B5EF4-FFF2-40B4-BE49-F238E27FC236}">
+                  <a16:creationId xmlns:a16="http://schemas.microsoft.com/office/drawing/2014/main" id="{E3EF160F-8ABE-4B28-9A3F-195C7B49399A}"/>
+                </a:ext>
+              </a:extLst>
+            </p:cNvPr>
+            <p:cNvSpPr txBox="1"/>
+            <p:nvPr/>
+          </p:nvSpPr>
+          <p:spPr>
+            <a:xfrm>
+              <a:off x="2649937" y="5859883"/>
+              <a:ext cx="792377" cy="369332"/>
+            </a:xfrm>
+            <a:prstGeom prst="rect">
+              <a:avLst/>
+            </a:prstGeom>
+            <a:noFill/>
+          </p:spPr>
+          <p:txBody>
+            <a:bodyPr wrap="square" rtlCol="0">
+              <a:spAutoFit/>
+            </a:bodyPr>
+            <a:lstStyle/>
+            <a:p>
+              <a:r>
+                <a:rPr lang="zh-CN" altLang="en-US" dirty="0">
+                  <a:solidFill>
+                    <a:srgbClr val="0070C0"/>
+                  </a:solidFill>
+                </a:rPr>
+                <a:t>写入</a:t>
+              </a:r>
+            </a:p>
+          </p:txBody>
+        </p:sp>
       </p:grpSp>
     </p:spTree>
     <p:extLst>
